--- a/Presentation Demo.pptx
+++ b/Presentation Demo.pptx
@@ -4110,14 +4110,27 @@
           <a:p>
             <a:pPr algn="ctr"/>
             <a:r>
-              <a:rPr lang="en-US" sz="2900" dirty="0">
+              <a:rPr lang="en-US" sz="3200" dirty="0">
                 <a:hlinkClick r:id="rId2"/>
               </a:rPr>
-              <a:t>http://heavywater-document-classifier.us-east-2.elasticbeanstalk.com/</a:t>
-            </a:r>
-            <a:br>
-              <a:rPr lang="en-US" sz="5400" b="1" dirty="0"/>
-            </a:br>
+              <a:t>URL To the </a:t>
+            </a:r>
+            <a:r>
+              <a:rPr lang="en-US" sz="3200" dirty="0" err="1">
+                <a:hlinkClick r:id="rId2"/>
+              </a:rPr>
+              <a:t>Jupyter</a:t>
+            </a:r>
+            <a:r>
+              <a:rPr lang="en-US" sz="3200" dirty="0">
+                <a:hlinkClick r:id="rId2"/>
+              </a:rPr>
+              <a:t> Notebook</a:t>
+            </a:r>
+            <a:endParaRPr lang="en-US" sz="3200" dirty="0"/>
+          </a:p>
+          <a:p>
+            <a:pPr algn="ctr"/>
             <a:r>
               <a:rPr lang="en-US" sz="5400" b="1" dirty="0"/>
               <a:t>---------</a:t>
